--- a/lectures/week5/09_30_14.pptx
+++ b/lectures/week5/09_30_14.pptx
@@ -5292,8 +5292,9 @@
             </a:pPr>
             <a:r>
               <a:rPr lang="en-US" sz="2400" dirty="0" smtClean="0"/>
-              <a:t>RSA Security factoring challenge (discontinued)</a:t>
-            </a:r>
+              <a:t>How can you break RSA if you can factor?</a:t>
+            </a:r>
+            <a:endParaRPr lang="en-US" sz="2400" dirty="0" smtClean="0"/>
           </a:p>
           <a:p>
             <a:pPr marL="228600" indent="-228600">
@@ -11167,7 +11168,13 @@
               <a:rPr lang="en-US" sz="2400" dirty="0" smtClean="0">
                 <a:sym typeface="Symbol" panose="05050102010706020507" pitchFamily="18" charset="2"/>
               </a:rPr>
-              <a:t>: Pick a random k </a:t>
+              <a:t>: Pick a random </a:t>
+            </a:r>
+            <a:r>
+              <a:rPr lang="en-US" sz="2400" dirty="0" smtClean="0">
+                <a:sym typeface="Symbol" panose="05050102010706020507" pitchFamily="18" charset="2"/>
+              </a:rPr>
+              <a:t>r </a:t>
             </a:r>
             <a:r>
               <a:rPr lang="en-US" sz="2400" dirty="0">
@@ -11195,10 +11202,22 @@
           <a:p>
             <a:pPr lvl="1" eaLnBrk="1" hangingPunct="1"/>
             <a:r>
+              <a:rPr lang="en-US" sz="2000" dirty="0">
+                <a:sym typeface="Symbol" panose="05050102010706020507" pitchFamily="18" charset="2"/>
+              </a:rPr>
+              <a:t>R</a:t>
+            </a:r>
+            <a:r>
               <a:rPr lang="en-US" sz="2000" dirty="0" smtClean="0">
                 <a:sym typeface="Symbol" panose="05050102010706020507" pitchFamily="18" charset="2"/>
               </a:rPr>
-              <a:t>K = </a:t>
+              <a:t> </a:t>
+            </a:r>
+            <a:r>
+              <a:rPr lang="en-US" sz="2000" dirty="0" smtClean="0">
+                <a:sym typeface="Symbol" panose="05050102010706020507" pitchFamily="18" charset="2"/>
+              </a:rPr>
+              <a:t>= </a:t>
             </a:r>
             <a:r>
               <a:rPr lang="en-US" sz="2000" dirty="0" err="1" smtClean="0">
@@ -11210,7 +11229,7 @@
               <a:rPr lang="en-US" sz="2000" baseline="30000" dirty="0" err="1" smtClean="0">
                 <a:sym typeface="Symbol" panose="05050102010706020507" pitchFamily="18" charset="2"/>
               </a:rPr>
-              <a:t>k</a:t>
+              <a:t>r</a:t>
             </a:r>
             <a:r>
               <a:rPr lang="en-US" sz="2000" dirty="0" smtClean="0">
@@ -11225,16 +11244,16 @@
               <a:t>= </a:t>
             </a:r>
             <a:r>
-              <a:rPr lang="en-US" sz="2000" dirty="0" err="1" smtClean="0">
+              <a:rPr lang="en-US" sz="2000" dirty="0" smtClean="0">
                 <a:sym typeface="Symbol" panose="05050102010706020507" pitchFamily="18" charset="2"/>
               </a:rPr>
               <a:t>g</a:t>
             </a:r>
             <a:r>
-              <a:rPr lang="en-US" sz="2000" baseline="30000" dirty="0" err="1" smtClean="0">
+              <a:rPr lang="en-US" sz="2000" baseline="30000" dirty="0" smtClean="0">
                 <a:sym typeface="Symbol" panose="05050102010706020507" pitchFamily="18" charset="2"/>
               </a:rPr>
-              <a:t>ak</a:t>
+              <a:t>ar</a:t>
             </a:r>
             <a:endParaRPr lang="en-US" sz="2000" baseline="30000" dirty="0">
               <a:sym typeface="Symbol" panose="05050102010706020507" pitchFamily="18" charset="2"/>
@@ -11261,16 +11280,16 @@
               <a:t> = </a:t>
             </a:r>
             <a:r>
-              <a:rPr lang="en-US" sz="2000" dirty="0" err="1" smtClean="0">
+              <a:rPr lang="en-US" sz="2000" dirty="0" smtClean="0">
                 <a:sym typeface="Symbol" panose="05050102010706020507" pitchFamily="18" charset="2"/>
               </a:rPr>
               <a:t>g</a:t>
             </a:r>
             <a:r>
-              <a:rPr lang="en-US" sz="2000" baseline="30000" dirty="0" err="1" smtClean="0">
+              <a:rPr lang="en-US" sz="2000" baseline="30000" dirty="0">
                 <a:sym typeface="Symbol" panose="05050102010706020507" pitchFamily="18" charset="2"/>
               </a:rPr>
-              <a:t>k</a:t>
+              <a:t>r</a:t>
             </a:r>
             <a:endParaRPr lang="en-US" sz="2000" baseline="30000" dirty="0" smtClean="0">
               <a:sym typeface="Symbol" panose="05050102010706020507" pitchFamily="18" charset="2"/>
@@ -11360,7 +11379,7 @@
               <a:rPr lang="en-US" sz="2000" b="1" dirty="0" err="1" smtClean="0">
                 <a:sym typeface="Symbol" panose="05050102010706020507" pitchFamily="18" charset="2"/>
               </a:rPr>
-              <a:t>mK</a:t>
+              <a:t>mR</a:t>
             </a:r>
             <a:r>
               <a:rPr lang="en-US" sz="2000" b="1" dirty="0" smtClean="0">
@@ -11435,12 +11454,48 @@
               <a:rPr lang="en-US" sz="2000" b="1" dirty="0">
                 <a:sym typeface="Symbol" panose="05050102010706020507" pitchFamily="18" charset="2"/>
               </a:rPr>
-              <a:t>*(1/K) mod </a:t>
+              <a:t>*(</a:t>
             </a:r>
             <a:r>
               <a:rPr lang="en-US" sz="2000" b="1" dirty="0" smtClean="0">
                 <a:sym typeface="Symbol" panose="05050102010706020507" pitchFamily="18" charset="2"/>
               </a:rPr>
+              <a:t>1</a:t>
+            </a:r>
+            <a:r>
+              <a:rPr lang="en-US" sz="2000" b="1" dirty="0" smtClean="0">
+                <a:sym typeface="Symbol" panose="05050102010706020507" pitchFamily="18" charset="2"/>
+              </a:rPr>
+              <a:t>/c</a:t>
+            </a:r>
+            <a:r>
+              <a:rPr lang="en-US" sz="2000" b="1" baseline="-25000" dirty="0" smtClean="0">
+                <a:sym typeface="Symbol" panose="05050102010706020507" pitchFamily="18" charset="2"/>
+              </a:rPr>
+              <a:t>1</a:t>
+            </a:r>
+            <a:r>
+              <a:rPr lang="en-US" sz="2000" b="1" baseline="30000" dirty="0" smtClean="0">
+                <a:sym typeface="Symbol" panose="05050102010706020507" pitchFamily="18" charset="2"/>
+              </a:rPr>
+              <a:t>a</a:t>
+            </a:r>
+            <a:r>
+              <a:rPr lang="en-US" sz="2000" b="1" dirty="0" smtClean="0">
+                <a:sym typeface="Symbol" panose="05050102010706020507" pitchFamily="18" charset="2"/>
+              </a:rPr>
+              <a:t>) </a:t>
+            </a:r>
+            <a:r>
+              <a:rPr lang="en-US" sz="2000" b="1" dirty="0">
+                <a:sym typeface="Symbol" panose="05050102010706020507" pitchFamily="18" charset="2"/>
+              </a:rPr>
+              <a:t>mod </a:t>
+            </a:r>
+            <a:r>
+              <a:rPr lang="en-US" sz="2000" b="1" dirty="0" smtClean="0">
+                <a:sym typeface="Symbol" panose="05050102010706020507" pitchFamily="18" charset="2"/>
+              </a:rPr>
               <a:t>p </a:t>
             </a:r>
             <a:r>
@@ -11450,43 +11505,25 @@
               <a:t>where </a:t>
             </a:r>
             <a:r>
-              <a:rPr lang="en-US" sz="2000" b="1" dirty="0" smtClean="0">
-                <a:sym typeface="Symbol" panose="05050102010706020507" pitchFamily="18" charset="2"/>
-              </a:rPr>
-              <a:t>K </a:t>
-            </a:r>
-            <a:r>
               <a:rPr lang="en-US" sz="2000" b="1" dirty="0">
                 <a:sym typeface="Symbol" panose="05050102010706020507" pitchFamily="18" charset="2"/>
               </a:rPr>
-              <a:t>= </a:t>
+              <a:t>c</a:t>
+            </a:r>
+            <a:r>
+              <a:rPr lang="en-US" sz="2000" b="1" baseline="-25000" dirty="0">
+                <a:sym typeface="Symbol" panose="05050102010706020507" pitchFamily="18" charset="2"/>
+              </a:rPr>
+              <a:t>1</a:t>
+            </a:r>
+            <a:r>
+              <a:rPr lang="en-US" sz="2000" b="1" baseline="30000" dirty="0">
+                <a:sym typeface="Symbol" panose="05050102010706020507" pitchFamily="18" charset="2"/>
+              </a:rPr>
+              <a:t>a</a:t>
             </a:r>
             <a:r>
               <a:rPr lang="en-US" sz="2000" b="1" dirty="0" smtClean="0">
-                <a:sym typeface="Symbol" panose="05050102010706020507" pitchFamily="18" charset="2"/>
-              </a:rPr>
-              <a:t>c</a:t>
-            </a:r>
-            <a:r>
-              <a:rPr lang="en-US" sz="2000" b="1" baseline="-25000" dirty="0" smtClean="0">
-                <a:sym typeface="Symbol" panose="05050102010706020507" pitchFamily="18" charset="2"/>
-              </a:rPr>
-              <a:t>1</a:t>
-            </a:r>
-            <a:r>
-              <a:rPr lang="en-US" sz="2000" b="1" baseline="30000" dirty="0" smtClean="0">
-                <a:sym typeface="Symbol" panose="05050102010706020507" pitchFamily="18" charset="2"/>
-              </a:rPr>
-              <a:t>a</a:t>
-            </a:r>
-            <a:r>
-              <a:rPr lang="en-US" sz="2000" b="1" dirty="0" smtClean="0">
-                <a:sym typeface="Symbol" panose="05050102010706020507" pitchFamily="18" charset="2"/>
-              </a:rPr>
-              <a:t> </a:t>
-            </a:r>
-            <a:r>
-              <a:rPr lang="en-US" sz="2000" b="1" dirty="0">
                 <a:sym typeface="Symbol" panose="05050102010706020507" pitchFamily="18" charset="2"/>
               </a:rPr>
               <a:t>= </a:t>
@@ -11788,17 +11825,6 @@
           <a:bodyPr/>
           <a:lstStyle/>
           <a:p>
-            <a:pPr marL="0" indent="0">
-              <a:lnSpc>
-                <a:spcPct val="90000"/>
-              </a:lnSpc>
-              <a:buNone/>
-            </a:pPr>
-            <a:endParaRPr lang="en-US" sz="2400" b="1" i="1" dirty="0" smtClean="0">
-              <a:latin typeface="Times New Roman" pitchFamily="18" charset="0"/>
-            </a:endParaRPr>
-          </a:p>
-          <a:p>
             <a:pPr>
               <a:lnSpc>
                 <a:spcPct val="90000"/>
@@ -11808,7 +11834,13 @@
               <a:rPr lang="en-US" sz="2400" b="1" i="1" dirty="0" smtClean="0">
                 <a:latin typeface="Times New Roman" pitchFamily="18" charset="0"/>
               </a:rPr>
-              <a:t>Order of a group: Number of elements contained in the group</a:t>
+              <a:t>Order </a:t>
+            </a:r>
+            <a:r>
+              <a:rPr lang="en-US" sz="2400" b="1" i="1" dirty="0" smtClean="0">
+                <a:latin typeface="Times New Roman" pitchFamily="18" charset="0"/>
+              </a:rPr>
+              <a:t>of a group: Number of elements contained in the group</a:t>
             </a:r>
           </a:p>
           <a:p>
@@ -12006,12 +12038,12 @@
             </a:r>
             <a:r>
               <a:rPr lang="en-US" sz="2000" dirty="0" smtClean="0"/>
-              <a:t>= 1 mod N</a:t>
-            </a:r>
-            <a:endParaRPr lang="en-US" sz="2000" dirty="0"/>
-          </a:p>
-          <a:p>
-            <a:pPr eaLnBrk="1" hangingPunct="1"/>
+              <a:t>= 1 mod </a:t>
+            </a:r>
+            <a:r>
+              <a:rPr lang="en-US" sz="2000" dirty="0" smtClean="0"/>
+              <a:t>N</a:t>
+            </a:r>
             <a:endParaRPr lang="en-US" sz="2000" dirty="0">
               <a:latin typeface="Times New Roman" pitchFamily="18" charset="0"/>
             </a:endParaRPr>
@@ -12036,8 +12068,28 @@
             </a:r>
             <a:r>
               <a:rPr lang="en-US" sz="2000" dirty="0"/>
-              <a:t>(N) = (p-1)(q-1)</a:t>
-            </a:r>
+              <a:t>(N) = (p-1)(q-1</a:t>
+            </a:r>
+            <a:r>
+              <a:rPr lang="en-US" sz="2000" dirty="0" smtClean="0"/>
+              <a:t>)</a:t>
+            </a:r>
+          </a:p>
+          <a:p>
+            <a:pPr eaLnBrk="1" hangingPunct="1"/>
+            <a:r>
+              <a:rPr lang="en-US" sz="2000" dirty="0" smtClean="0"/>
+              <a:t>Difficult problem: Given N, find p and q or </a:t>
+            </a:r>
+            <a:r>
+              <a:rPr lang="el-GR" sz="2000" dirty="0"/>
+              <a:t>φ</a:t>
+            </a:r>
+            <a:r>
+              <a:rPr lang="en-US" sz="2000" dirty="0"/>
+              <a:t>(N) </a:t>
+            </a:r>
+            <a:endParaRPr lang="en-US" sz="2000" dirty="0"/>
           </a:p>
           <a:p>
             <a:pPr eaLnBrk="1" hangingPunct="1"/>
@@ -12247,17 +12299,20 @@
               <a:rPr lang="en-US" sz="1800" dirty="0">
                 <a:latin typeface="Symbol" pitchFamily="18" charset="2"/>
               </a:rPr>
-              <a:t> - </a:t>
-            </a:r>
-            <a:r>
-              <a:rPr lang="en-US" sz="1800" dirty="0">
+              <a:t> </a:t>
+            </a:r>
+            <a:r>
+              <a:rPr lang="en-US" sz="1800" dirty="0" smtClean="0">
+                <a:latin typeface="Symbol" pitchFamily="18" charset="2"/>
+              </a:rPr>
+              <a:t>– </a:t>
+            </a:r>
+            <a:r>
+              <a:rPr lang="en-US" sz="1800" dirty="0" smtClean="0">
                 <a:latin typeface="Times New Roman" pitchFamily="18" charset="0"/>
               </a:rPr>
               <a:t>1</a:t>
             </a:r>
-            <a:endParaRPr lang="en-US" sz="2400" b="1" i="1" dirty="0" smtClean="0">
-              <a:latin typeface="Times New Roman" pitchFamily="18" charset="0"/>
-            </a:endParaRPr>
           </a:p>
         </p:txBody>
       </p:sp>
@@ -13620,11 +13675,7 @@
             <a:pPr eaLnBrk="1" hangingPunct="1"/>
             <a:r>
               <a:rPr lang="en-US" sz="2000" dirty="0" smtClean="0"/>
-              <a:t>For </a:t>
-            </a:r>
-            <a:r>
-              <a:rPr lang="en-US" sz="2000" dirty="0" smtClean="0"/>
-              <a:t>the multiplicative group </a:t>
+              <a:t>For the multiplicative group </a:t>
             </a:r>
             <a:r>
               <a:rPr lang="en-US" sz="2000" b="1" i="1" dirty="0" smtClean="0">
@@ -14083,13 +14134,7 @@
               <a:rPr lang="en-US" sz="2000" dirty="0" smtClean="0">
                 <a:latin typeface="Symbol" pitchFamily="18" charset="2"/>
               </a:rPr>
-              <a:t> </a:t>
-            </a:r>
-            <a:r>
-              <a:rPr lang="en-US" sz="2000" dirty="0" smtClean="0">
-                <a:latin typeface="Symbol" pitchFamily="18" charset="2"/>
-              </a:rPr>
-              <a:t>= </a:t>
+              <a:t> = </a:t>
             </a:r>
             <a:r>
               <a:rPr lang="en-US" sz="2000" b="1" i="1" dirty="0" err="1" smtClean="0">
@@ -15397,9 +15442,6 @@
               </a:rPr>
               <a:t>3</a:t>
             </a:r>
-            <a:endParaRPr lang="en-US" sz="2000" dirty="0" smtClean="0">
-              <a:latin typeface="Times New Roman" pitchFamily="18" charset="0"/>
-            </a:endParaRPr>
           </a:p>
           <a:p>
             <a:pPr marL="571500" lvl="1" indent="-171450" eaLnBrk="1" hangingPunct="1">
@@ -15485,13 +15527,7 @@
               <a:rPr lang="en-US" sz="2000" dirty="0" smtClean="0">
                 <a:latin typeface="Times New Roman" pitchFamily="18" charset="0"/>
               </a:rPr>
-              <a:t>40 + 1</a:t>
-            </a:r>
-            <a:r>
-              <a:rPr lang="en-US" sz="2000" dirty="0" smtClean="0">
-                <a:latin typeface="Times New Roman" pitchFamily="18" charset="0"/>
-              </a:rPr>
-              <a:t>)</a:t>
+              <a:t>40 + 1)</a:t>
             </a:r>
           </a:p>
         </p:txBody>
@@ -15512,7 +15548,7 @@
           <a:graphicData uri="http://schemas.openxmlformats.org/presentationml/2006/ole">
             <mc:AlternateContent xmlns:mc="http://schemas.openxmlformats.org/markup-compatibility/2006">
               <mc:Choice xmlns:v="urn:schemas-microsoft-com:vml" Requires="v">
-                <p:oleObj spid="_x0000_s8389" name="Worksheet" r:id="rId3" imgW="8286780" imgH="1809885" progId="Excel.Sheet.8">
+                <p:oleObj spid="_x0000_s8397" name="Worksheet" r:id="rId3" imgW="8286780" imgH="1809885" progId="Excel.Sheet.8">
                   <p:embed/>
                 </p:oleObj>
               </mc:Choice>
@@ -15871,8 +15907,13 @@
           <a:p>
             <a:r>
               <a:rPr lang="en-US" dirty="0" smtClean="0"/>
-              <a:t>Let N=20434394384355534343545428943483434356094</a:t>
-            </a:r>
+              <a:t>Let </a:t>
+            </a:r>
+            <a:r>
+              <a:rPr lang="en-US" dirty="0" smtClean="0"/>
+              <a:t>N=20434394384355534343545428943483434356094. Assume it is the product of two primes</a:t>
+            </a:r>
+            <a:endParaRPr lang="en-US" dirty="0" smtClean="0"/>
           </a:p>
           <a:p>
             <a:pPr lvl="1"/>
